--- a/Presentation/Configuración.pptx
+++ b/Presentation/Configuración.pptx
@@ -104,6 +104,11 @@
       </a:defRPr>
     </a:lvl9pPr>
   </p:defaultTextStyle>
+  <p:extLst>
+    <p:ext uri="{EFAFB233-063F-42B5-8137-9DF3F51BA10A}">
+      <p15:sldGuideLst xmlns:p15="http://schemas.microsoft.com/office/powerpoint/2012/main"/>
+    </p:ext>
+  </p:extLst>
 </p:presentation>
 </file>
 
@@ -4411,7 +4416,7 @@
         </p:nvSpPr>
         <p:spPr>
           <a:xfrm>
-            <a:off x="4677706" y="4083142"/>
+            <a:off x="4664592" y="4317076"/>
             <a:ext cx="597103" cy="230832"/>
           </a:xfrm>
           <a:prstGeom prst="rect">
@@ -4442,6 +4447,64 @@
               </a:rPr>
               <a:t>Button</a:t>
             </a:r>
+          </a:p>
+        </p:txBody>
+      </p:sp>
+      <p:sp>
+        <p:nvSpPr>
+          <p:cNvPr id="23" name="Rectángulo 22">
+            <a:extLst>
+              <a:ext uri="{FF2B5EF4-FFF2-40B4-BE49-F238E27FC236}">
+                <a16:creationId xmlns:a16="http://schemas.microsoft.com/office/drawing/2014/main" id="{A33A21CF-6416-EEC3-E5BF-55986105933F}"/>
+              </a:ext>
+            </a:extLst>
+          </p:cNvPr>
+          <p:cNvSpPr/>
+          <p:nvPr/>
+        </p:nvSpPr>
+        <p:spPr>
+          <a:xfrm>
+            <a:off x="4687383" y="4097800"/>
+            <a:ext cx="597103" cy="230832"/>
+          </a:xfrm>
+          <a:prstGeom prst="rect">
+            <a:avLst/>
+          </a:prstGeom>
+          <a:noFill/>
+        </p:spPr>
+        <p:txBody>
+          <a:bodyPr wrap="square" lIns="91440" tIns="45720" rIns="91440" bIns="45720">
+            <a:spAutoFit/>
+          </a:bodyPr>
+          <a:lstStyle/>
+          <a:p>
+            <a:pPr algn="ctr"/>
+            <a:r>
+              <a:rPr lang="es-ES" sz="900" dirty="0">
+                <a:ln w="0"/>
+                <a:effectLst>
+                  <a:outerShdw blurRad="38100" dist="19050" dir="2700000" algn="tl" rotWithShape="0">
+                    <a:schemeClr val="dk1">
+                      <a:alpha val="40000"/>
+                    </a:schemeClr>
+                  </a:outerShdw>
+                </a:effectLst>
+              </a:rPr>
+              <a:t>StandBy</a:t>
+            </a:r>
+            <a:endParaRPr lang="es-ES" sz="900" b="0" cap="none" spc="0" dirty="0">
+              <a:ln w="0"/>
+              <a:solidFill>
+                <a:schemeClr val="tx1"/>
+              </a:solidFill>
+              <a:effectLst>
+                <a:outerShdw blurRad="38100" dist="19050" dir="2700000" algn="tl" rotWithShape="0">
+                  <a:schemeClr val="dk1">
+                    <a:alpha val="40000"/>
+                  </a:schemeClr>
+                </a:outerShdw>
+              </a:effectLst>
+            </a:endParaRPr>
           </a:p>
         </p:txBody>
       </p:sp>
